--- a/materi/Rekayasa Perangkat Lunak-04.pptx
+++ b/materi/Rekayasa Perangkat Lunak-04.pptx
@@ -215,7 +215,7 @@
             <a:fld id="{D4C55E52-1512-4397-87CC-2882E58DA483}" type="datetimeFigureOut">
               <a:rPr lang="en-US" smtClean="0"/>
               <a:pPr/>
-              <a:t>10/20/2015</a:t>
+              <a:t>10/21/2015</a:t>
             </a:fld>
             <a:endParaRPr lang="en-US"/>
           </a:p>
@@ -2549,7 +2549,7 @@
             <a:fld id="{1D8BD707-D9CF-40AE-B4C6-C98DA3205C09}" type="datetimeFigureOut">
               <a:rPr lang="en-US" smtClean="0"/>
               <a:pPr/>
-              <a:t>10/20/2015</a:t>
+              <a:t>10/21/2015</a:t>
             </a:fld>
             <a:endParaRPr lang="en-US"/>
           </a:p>
@@ -2716,7 +2716,7 @@
             <a:fld id="{1D8BD707-D9CF-40AE-B4C6-C98DA3205C09}" type="datetimeFigureOut">
               <a:rPr lang="en-US" smtClean="0"/>
               <a:pPr/>
-              <a:t>10/20/2015</a:t>
+              <a:t>10/21/2015</a:t>
             </a:fld>
             <a:endParaRPr lang="en-US"/>
           </a:p>
@@ -2893,7 +2893,7 @@
             <a:fld id="{1D8BD707-D9CF-40AE-B4C6-C98DA3205C09}" type="datetimeFigureOut">
               <a:rPr lang="en-US" smtClean="0"/>
               <a:pPr/>
-              <a:t>10/20/2015</a:t>
+              <a:t>10/21/2015</a:t>
             </a:fld>
             <a:endParaRPr lang="en-US"/>
           </a:p>
@@ -3060,7 +3060,7 @@
             <a:fld id="{1D8BD707-D9CF-40AE-B4C6-C98DA3205C09}" type="datetimeFigureOut">
               <a:rPr lang="en-US" smtClean="0"/>
               <a:pPr/>
-              <a:t>10/20/2015</a:t>
+              <a:t>10/21/2015</a:t>
             </a:fld>
             <a:endParaRPr lang="en-US"/>
           </a:p>
@@ -3303,7 +3303,7 @@
             <a:fld id="{1D8BD707-D9CF-40AE-B4C6-C98DA3205C09}" type="datetimeFigureOut">
               <a:rPr lang="en-US" smtClean="0"/>
               <a:pPr/>
-              <a:t>10/20/2015</a:t>
+              <a:t>10/21/2015</a:t>
             </a:fld>
             <a:endParaRPr lang="en-US"/>
           </a:p>
@@ -3588,7 +3588,7 @@
             <a:fld id="{1D8BD707-D9CF-40AE-B4C6-C98DA3205C09}" type="datetimeFigureOut">
               <a:rPr lang="en-US" smtClean="0"/>
               <a:pPr/>
-              <a:t>10/20/2015</a:t>
+              <a:t>10/21/2015</a:t>
             </a:fld>
             <a:endParaRPr lang="en-US"/>
           </a:p>
@@ -4007,7 +4007,7 @@
             <a:fld id="{1D8BD707-D9CF-40AE-B4C6-C98DA3205C09}" type="datetimeFigureOut">
               <a:rPr lang="en-US" smtClean="0"/>
               <a:pPr/>
-              <a:t>10/20/2015</a:t>
+              <a:t>10/21/2015</a:t>
             </a:fld>
             <a:endParaRPr lang="en-US"/>
           </a:p>
@@ -4122,7 +4122,7 @@
             <a:fld id="{1D8BD707-D9CF-40AE-B4C6-C98DA3205C09}" type="datetimeFigureOut">
               <a:rPr lang="en-US" smtClean="0"/>
               <a:pPr/>
-              <a:t>10/20/2015</a:t>
+              <a:t>10/21/2015</a:t>
             </a:fld>
             <a:endParaRPr lang="en-US"/>
           </a:p>
@@ -4214,7 +4214,7 @@
             <a:fld id="{1D8BD707-D9CF-40AE-B4C6-C98DA3205C09}" type="datetimeFigureOut">
               <a:rPr lang="en-US" smtClean="0"/>
               <a:pPr/>
-              <a:t>10/20/2015</a:t>
+              <a:t>10/21/2015</a:t>
             </a:fld>
             <a:endParaRPr lang="en-US"/>
           </a:p>
@@ -4488,7 +4488,7 @@
             <a:fld id="{1D8BD707-D9CF-40AE-B4C6-C98DA3205C09}" type="datetimeFigureOut">
               <a:rPr lang="en-US" smtClean="0"/>
               <a:pPr/>
-              <a:t>10/20/2015</a:t>
+              <a:t>10/21/2015</a:t>
             </a:fld>
             <a:endParaRPr lang="en-US"/>
           </a:p>
@@ -4738,7 +4738,7 @@
             <a:fld id="{1D8BD707-D9CF-40AE-B4C6-C98DA3205C09}" type="datetimeFigureOut">
               <a:rPr lang="en-US" smtClean="0"/>
               <a:pPr/>
-              <a:t>10/20/2015</a:t>
+              <a:t>10/21/2015</a:t>
             </a:fld>
             <a:endParaRPr lang="en-US"/>
           </a:p>
@@ -4948,7 +4948,7 @@
             <a:fld id="{1D8BD707-D9CF-40AE-B4C6-C98DA3205C09}" type="datetimeFigureOut">
               <a:rPr lang="en-US" smtClean="0"/>
               <a:pPr/>
-              <a:t>10/20/2015</a:t>
+              <a:t>10/21/2015</a:t>
             </a:fld>
             <a:endParaRPr lang="en-US"/>
           </a:p>
@@ -5559,23 +5559,7 @@
                   <a:srgbClr val="FFFF00"/>
                 </a:solidFill>
               </a:rPr>
-              <a:t> </a:t>
-            </a:r>
-            <a:r>
-              <a:rPr lang="en-US" sz="3200" b="1" dirty="0" smtClean="0">
-                <a:solidFill>
-                  <a:srgbClr val="FFFF00"/>
-                </a:solidFill>
-              </a:rPr>
-              <a:t>IV </a:t>
-            </a:r>
-            <a:r>
-              <a:rPr lang="en-US" sz="3200" b="1" dirty="0" smtClean="0">
-                <a:solidFill>
-                  <a:srgbClr val="FFFF00"/>
-                </a:solidFill>
-              </a:rPr>
-              <a:t>: </a:t>
+              <a:t> IV : </a:t>
             </a:r>
           </a:p>
           <a:p>
@@ -5588,11 +5572,6 @@
               </a:rPr>
               <a:t>Conventional Methods for Software Engineering </a:t>
             </a:r>
-            <a:endParaRPr lang="en-US" sz="3200" b="1" dirty="0" smtClean="0">
-              <a:solidFill>
-                <a:srgbClr val="FFFF00"/>
-              </a:solidFill>
-            </a:endParaRPr>
           </a:p>
         </p:txBody>
       </p:sp>
@@ -6102,7 +6081,6 @@
               <a:rPr lang="en-US" sz="2800" dirty="0" smtClean="0"/>
               <a:t>,</a:t>
             </a:r>
-            <a:endParaRPr lang="en-US" sz="2800" dirty="0" smtClean="0"/>
           </a:p>
         </p:txBody>
       </p:sp>
@@ -7351,11 +7329,7 @@
             </a:r>
             <a:r>
               <a:rPr lang="en-US" sz="2800" dirty="0" err="1" smtClean="0"/>
-              <a:t>berbasi</a:t>
-            </a:r>
-            <a:r>
-              <a:rPr lang="en-US" sz="2800" dirty="0" err="1" smtClean="0"/>
-              <a:t>s</a:t>
+              <a:t>berbasis</a:t>
             </a:r>
             <a:r>
               <a:rPr lang="en-US" sz="2800" dirty="0" smtClean="0"/>
@@ -7444,7 +7418,6 @@
               <a:rPr lang="en-US" sz="2800" dirty="0" smtClean="0"/>
               <a:t>: UI, Input, System Function &amp; Control, Output, Maintenance &amp;  Self Test</a:t>
             </a:r>
-            <a:endParaRPr lang="en-US" sz="2800" dirty="0" smtClean="0"/>
           </a:p>
         </p:txBody>
       </p:sp>
@@ -7978,7 +7951,6 @@
               <a:rPr lang="en-US" sz="2800" dirty="0" smtClean="0"/>
               <a:t>.</a:t>
             </a:r>
-            <a:endParaRPr lang="en-US" sz="2800" dirty="0" smtClean="0"/>
           </a:p>
         </p:txBody>
       </p:sp>
@@ -8103,11 +8075,15 @@
             </a:r>
             <a:r>
               <a:rPr lang="en-US" sz="3600" b="1" dirty="0" err="1" smtClean="0"/>
-              <a:t>Controh</a:t>
+              <a:t>Contoh</a:t>
             </a:r>
             <a:r>
               <a:rPr lang="en-US" sz="3200" b="1" dirty="0" smtClean="0"/>
-              <a:t> SCD</a:t>
+              <a:t> </a:t>
+            </a:r>
+            <a:r>
+              <a:rPr lang="en-US" sz="3200" b="1" dirty="0" smtClean="0"/>
+              <a:t>SCD</a:t>
             </a:r>
             <a:endParaRPr lang="en-US" sz="3600" b="1" dirty="0"/>
           </a:p>
@@ -8405,11 +8381,7 @@
             </a:r>
             <a:r>
               <a:rPr lang="en-US" sz="3600" b="1" dirty="0" smtClean="0"/>
-              <a:t>: </a:t>
-            </a:r>
-            <a:r>
-              <a:rPr lang="en-US" sz="3600" b="1" dirty="0" smtClean="0"/>
-              <a:t>System Flow Diagram</a:t>
+              <a:t>: System Flow Diagram</a:t>
             </a:r>
             <a:endParaRPr lang="en-US" sz="3600" b="1" dirty="0"/>
           </a:p>
@@ -8735,7 +8707,6 @@
               <a:rPr lang="en-US" sz="2800" dirty="0" smtClean="0"/>
               <a:t> SFD.</a:t>
             </a:r>
-            <a:endParaRPr lang="en-US" sz="2800" dirty="0" smtClean="0"/>
           </a:p>
         </p:txBody>
       </p:sp>
@@ -8856,11 +8827,7 @@
             </a:r>
             <a:r>
               <a:rPr lang="en-US" sz="3600" b="1" dirty="0" smtClean="0"/>
-              <a:t>: </a:t>
-            </a:r>
-            <a:r>
-              <a:rPr lang="en-US" sz="3600" b="1" dirty="0" smtClean="0"/>
-              <a:t>System Flow Diagram</a:t>
+              <a:t>: System Flow Diagram</a:t>
             </a:r>
             <a:endParaRPr lang="en-US" sz="3600" b="1" dirty="0"/>
           </a:p>
@@ -9396,23 +9363,15 @@
             </a:r>
             <a:r>
               <a:rPr lang="en-US" sz="3600" b="1" dirty="0" err="1" smtClean="0"/>
-              <a:t>Konse</a:t>
+              <a:t>Konsep</a:t>
+            </a:r>
+            <a:r>
+              <a:rPr lang="en-US" sz="3600" b="1" dirty="0" smtClean="0"/>
+              <a:t> </a:t>
             </a:r>
             <a:r>
               <a:rPr lang="en-US" sz="3600" b="1" dirty="0" err="1" smtClean="0"/>
-              <a:t>p</a:t>
-            </a:r>
-            <a:r>
-              <a:rPr lang="en-US" sz="3600" b="1" dirty="0" smtClean="0"/>
-              <a:t> </a:t>
-            </a:r>
-            <a:r>
-              <a:rPr lang="en-US" sz="3600" b="1" dirty="0" err="1" smtClean="0"/>
-              <a:t>A</a:t>
-            </a:r>
-            <a:r>
-              <a:rPr lang="en-US" sz="3600" b="1" dirty="0" err="1" smtClean="0"/>
-              <a:t>nalisis</a:t>
+              <a:t>Analisis</a:t>
             </a:r>
             <a:r>
               <a:rPr lang="en-US" sz="3600" b="1" dirty="0" smtClean="0"/>
@@ -9794,7 +9753,6 @@
               <a:rPr lang="en-US" sz="2800" dirty="0" smtClean="0"/>
               <a:t> software.</a:t>
             </a:r>
-            <a:endParaRPr lang="en-US" sz="2800" dirty="0" smtClean="0"/>
           </a:p>
         </p:txBody>
       </p:sp>
@@ -12681,7 +12639,6 @@
               <a:rPr lang="en-US" sz="3600" b="1" i="1" dirty="0" smtClean="0"/>
               <a:t>System Engineering</a:t>
             </a:r>
-            <a:endParaRPr lang="en-US" sz="3600" b="1" i="1" dirty="0" smtClean="0"/>
           </a:p>
           <a:p>
             <a:pPr algn="ctr"/>
@@ -13994,7 +13951,6 @@
               <a:rPr lang="en-US" sz="2800" dirty="0" smtClean="0"/>
               <a:t> computer (computer-based systems)</a:t>
             </a:r>
-            <a:endParaRPr lang="en-US" sz="2800" dirty="0" smtClean="0"/>
           </a:p>
         </p:txBody>
       </p:sp>
@@ -14127,11 +14083,7 @@
             </a:r>
             <a:r>
               <a:rPr lang="en-US" sz="3200" b="1" dirty="0" err="1" smtClean="0"/>
-              <a:t>berbasi</a:t>
-            </a:r>
-            <a:r>
-              <a:rPr lang="en-US" sz="3200" b="1" dirty="0" err="1" smtClean="0"/>
-              <a:t>s</a:t>
+              <a:t>berbasis</a:t>
             </a:r>
             <a:r>
               <a:rPr lang="en-US" sz="3200" b="1" dirty="0" smtClean="0"/>
@@ -14536,7 +14488,6 @@
               <a:rPr lang="en-US" sz="2800" dirty="0" smtClean="0"/>
               <a:t>Procedure</a:t>
             </a:r>
-            <a:endParaRPr lang="en-US" sz="2800" dirty="0" smtClean="0"/>
           </a:p>
         </p:txBody>
       </p:sp>
@@ -14940,7 +14891,6 @@
               <a:rPr lang="en-US" sz="2800" dirty="0" smtClean="0"/>
               <a:t>:</a:t>
             </a:r>
-            <a:endParaRPr lang="en-US" sz="2800" dirty="0" smtClean="0"/>
           </a:p>
         </p:txBody>
       </p:sp>
@@ -15576,11 +15526,7 @@
             </a:r>
             <a:r>
               <a:rPr lang="en-US" sz="2800" dirty="0" smtClean="0"/>
-              <a:t> </a:t>
-            </a:r>
-            <a:r>
-              <a:rPr lang="en-US" sz="2800" dirty="0" smtClean="0"/>
-              <a:t>data architecture </a:t>
+              <a:t> data architecture </a:t>
             </a:r>
             <a:r>
               <a:rPr lang="en-US" sz="2800" dirty="0" err="1" smtClean="0"/>
@@ -15648,7 +15594,6 @@
               <a:rPr lang="en-US" sz="2800" dirty="0" smtClean="0"/>
               <a:t> application architecture</a:t>
             </a:r>
-            <a:endParaRPr lang="en-US" sz="2800" dirty="0" smtClean="0"/>
           </a:p>
         </p:txBody>
       </p:sp>
